--- a/ppt 16-9/0191.圣夜静.pptx
+++ b/ppt 16-9/0191.圣夜静.pptx
@@ -129,7 +129,7 @@
           <p:cNvPr id="2" name="标题 1">
             <a:extLst>
               <a:ext uri="{FF2B5EF4-FFF2-40B4-BE49-F238E27FC236}">
-                <a16:creationId xmlns:a16="http://schemas.microsoft.com/office/drawing/2014/main" id="{0C2009CC-0DED-8449-CA62-761EA7A1F9B5}"/>
+                <a16:creationId xmlns:a16="http://schemas.microsoft.com/office/drawing/2014/main" id="{1A0EA685-C8BD-159D-6240-0B77A010913B}"/>
               </a:ext>
             </a:extLst>
           </p:cNvPr>
@@ -166,7 +166,7 @@
           <p:cNvPr id="3" name="副标题 2">
             <a:extLst>
               <a:ext uri="{FF2B5EF4-FFF2-40B4-BE49-F238E27FC236}">
-                <a16:creationId xmlns:a16="http://schemas.microsoft.com/office/drawing/2014/main" id="{09F6B172-9790-4B12-EDCC-233DDDA46EBF}"/>
+                <a16:creationId xmlns:a16="http://schemas.microsoft.com/office/drawing/2014/main" id="{2946B288-8C70-E451-DCD3-A7A87A55E34C}"/>
               </a:ext>
             </a:extLst>
           </p:cNvPr>
@@ -236,7 +236,7 @@
           <p:cNvPr id="4" name="日期占位符 3">
             <a:extLst>
               <a:ext uri="{FF2B5EF4-FFF2-40B4-BE49-F238E27FC236}">
-                <a16:creationId xmlns:a16="http://schemas.microsoft.com/office/drawing/2014/main" id="{41870502-A0B7-6133-5F42-5A226116A104}"/>
+                <a16:creationId xmlns:a16="http://schemas.microsoft.com/office/drawing/2014/main" id="{C153FED5-D6C9-C37A-2E24-3EDB6E8B983B}"/>
               </a:ext>
             </a:extLst>
           </p:cNvPr>
@@ -252,7 +252,7 @@
           <a:bodyPr/>
           <a:lstStyle/>
           <a:p>
-            <a:fld id="{395C24B1-57EF-4B7A-B082-24B53F0CEB49}" type="datetimeFigureOut">
+            <a:fld id="{74A56A6F-0478-4AC0-8773-73598CD87320}" type="datetimeFigureOut">
               <a:rPr lang="zh-CN" altLang="en-US" smtClean="0"/>
               <a:t>2024/3/10</a:t>
             </a:fld>
@@ -265,7 +265,7 @@
           <p:cNvPr id="5" name="页脚占位符 4">
             <a:extLst>
               <a:ext uri="{FF2B5EF4-FFF2-40B4-BE49-F238E27FC236}">
-                <a16:creationId xmlns:a16="http://schemas.microsoft.com/office/drawing/2014/main" id="{488F9AA0-4347-87B8-C219-7E1BD50857AB}"/>
+                <a16:creationId xmlns:a16="http://schemas.microsoft.com/office/drawing/2014/main" id="{97A21465-23BB-3554-4B90-51C6ED8B00EF}"/>
               </a:ext>
             </a:extLst>
           </p:cNvPr>
@@ -290,7 +290,7 @@
           <p:cNvPr id="6" name="灯片编号占位符 5">
             <a:extLst>
               <a:ext uri="{FF2B5EF4-FFF2-40B4-BE49-F238E27FC236}">
-                <a16:creationId xmlns:a16="http://schemas.microsoft.com/office/drawing/2014/main" id="{0F352BA7-7C13-9F6A-AB80-51FFE58F7F4B}"/>
+                <a16:creationId xmlns:a16="http://schemas.microsoft.com/office/drawing/2014/main" id="{745A5DBC-4F42-BD6F-315D-C35A40E67728}"/>
               </a:ext>
             </a:extLst>
           </p:cNvPr>
@@ -306,7 +306,7 @@
           <a:bodyPr/>
           <a:lstStyle/>
           <a:p>
-            <a:fld id="{983E941B-8094-48AB-876D-1181CAE21C3D}" type="slidenum">
+            <a:fld id="{65D793A7-D878-4909-81BD-52420638A19D}" type="slidenum">
               <a:rPr lang="zh-CN" altLang="en-US" smtClean="0"/>
               <a:t>‹#›</a:t>
             </a:fld>
@@ -317,7 +317,7 @@
     </p:spTree>
     <p:extLst>
       <p:ext uri="{BB962C8B-B14F-4D97-AF65-F5344CB8AC3E}">
-        <p14:creationId xmlns:p14="http://schemas.microsoft.com/office/powerpoint/2010/main" val="2141444377"/>
+        <p14:creationId xmlns:p14="http://schemas.microsoft.com/office/powerpoint/2010/main" val="3483923670"/>
       </p:ext>
     </p:extLst>
   </p:cSld>
@@ -349,7 +349,7 @@
           <p:cNvPr id="2" name="标题 1">
             <a:extLst>
               <a:ext uri="{FF2B5EF4-FFF2-40B4-BE49-F238E27FC236}">
-                <a16:creationId xmlns:a16="http://schemas.microsoft.com/office/drawing/2014/main" id="{E72B9969-64DB-F131-77DD-319DB9CB7BDE}"/>
+                <a16:creationId xmlns:a16="http://schemas.microsoft.com/office/drawing/2014/main" id="{001B3A50-7C66-FA91-DA3E-8FE7C7007E11}"/>
               </a:ext>
             </a:extLst>
           </p:cNvPr>
@@ -377,7 +377,7 @@
           <p:cNvPr id="3" name="竖排文字占位符 2">
             <a:extLst>
               <a:ext uri="{FF2B5EF4-FFF2-40B4-BE49-F238E27FC236}">
-                <a16:creationId xmlns:a16="http://schemas.microsoft.com/office/drawing/2014/main" id="{4E2BE355-6A3E-3CE7-5029-F69DEDDB21B4}"/>
+                <a16:creationId xmlns:a16="http://schemas.microsoft.com/office/drawing/2014/main" id="{879F2E31-66CE-AAEC-7263-5815870D4436}"/>
               </a:ext>
             </a:extLst>
           </p:cNvPr>
@@ -434,7 +434,7 @@
           <p:cNvPr id="4" name="日期占位符 3">
             <a:extLst>
               <a:ext uri="{FF2B5EF4-FFF2-40B4-BE49-F238E27FC236}">
-                <a16:creationId xmlns:a16="http://schemas.microsoft.com/office/drawing/2014/main" id="{75E75516-5437-2BBF-E8C4-2E600C5F38CC}"/>
+                <a16:creationId xmlns:a16="http://schemas.microsoft.com/office/drawing/2014/main" id="{7B58367E-2991-DA8B-833F-961E9529AD9A}"/>
               </a:ext>
             </a:extLst>
           </p:cNvPr>
@@ -450,7 +450,7 @@
           <a:bodyPr/>
           <a:lstStyle/>
           <a:p>
-            <a:fld id="{395C24B1-57EF-4B7A-B082-24B53F0CEB49}" type="datetimeFigureOut">
+            <a:fld id="{74A56A6F-0478-4AC0-8773-73598CD87320}" type="datetimeFigureOut">
               <a:rPr lang="zh-CN" altLang="en-US" smtClean="0"/>
               <a:t>2024/3/10</a:t>
             </a:fld>
@@ -463,7 +463,7 @@
           <p:cNvPr id="5" name="页脚占位符 4">
             <a:extLst>
               <a:ext uri="{FF2B5EF4-FFF2-40B4-BE49-F238E27FC236}">
-                <a16:creationId xmlns:a16="http://schemas.microsoft.com/office/drawing/2014/main" id="{953929FB-CDD5-D91C-605D-0FDF957DDF35}"/>
+                <a16:creationId xmlns:a16="http://schemas.microsoft.com/office/drawing/2014/main" id="{9891BE1B-E25F-6065-B3D6-7857F25AE73A}"/>
               </a:ext>
             </a:extLst>
           </p:cNvPr>
@@ -488,7 +488,7 @@
           <p:cNvPr id="6" name="灯片编号占位符 5">
             <a:extLst>
               <a:ext uri="{FF2B5EF4-FFF2-40B4-BE49-F238E27FC236}">
-                <a16:creationId xmlns:a16="http://schemas.microsoft.com/office/drawing/2014/main" id="{9E167A4C-C8F7-FD35-B292-9435A4CFBB84}"/>
+                <a16:creationId xmlns:a16="http://schemas.microsoft.com/office/drawing/2014/main" id="{EC6FB6E7-69D6-9A8F-86F8-95B6CB111846}"/>
               </a:ext>
             </a:extLst>
           </p:cNvPr>
@@ -504,7 +504,7 @@
           <a:bodyPr/>
           <a:lstStyle/>
           <a:p>
-            <a:fld id="{983E941B-8094-48AB-876D-1181CAE21C3D}" type="slidenum">
+            <a:fld id="{65D793A7-D878-4909-81BD-52420638A19D}" type="slidenum">
               <a:rPr lang="zh-CN" altLang="en-US" smtClean="0"/>
               <a:t>‹#›</a:t>
             </a:fld>
@@ -515,7 +515,7 @@
     </p:spTree>
     <p:extLst>
       <p:ext uri="{BB962C8B-B14F-4D97-AF65-F5344CB8AC3E}">
-        <p14:creationId xmlns:p14="http://schemas.microsoft.com/office/powerpoint/2010/main" val="1390835743"/>
+        <p14:creationId xmlns:p14="http://schemas.microsoft.com/office/powerpoint/2010/main" val="3033289626"/>
       </p:ext>
     </p:extLst>
   </p:cSld>
@@ -547,7 +547,7 @@
           <p:cNvPr id="2" name="竖排标题 1">
             <a:extLst>
               <a:ext uri="{FF2B5EF4-FFF2-40B4-BE49-F238E27FC236}">
-                <a16:creationId xmlns:a16="http://schemas.microsoft.com/office/drawing/2014/main" id="{B358CE09-AF0F-15A2-E295-93E518E674A3}"/>
+                <a16:creationId xmlns:a16="http://schemas.microsoft.com/office/drawing/2014/main" id="{1EBB0370-469C-B999-C841-A8A4D57B9032}"/>
               </a:ext>
             </a:extLst>
           </p:cNvPr>
@@ -580,7 +580,7 @@
           <p:cNvPr id="3" name="竖排文字占位符 2">
             <a:extLst>
               <a:ext uri="{FF2B5EF4-FFF2-40B4-BE49-F238E27FC236}">
-                <a16:creationId xmlns:a16="http://schemas.microsoft.com/office/drawing/2014/main" id="{188F77F5-18BC-2EEE-97B3-11220B78F845}"/>
+                <a16:creationId xmlns:a16="http://schemas.microsoft.com/office/drawing/2014/main" id="{CAADD116-3256-B4B0-166D-B66D874321A5}"/>
               </a:ext>
             </a:extLst>
           </p:cNvPr>
@@ -642,7 +642,7 @@
           <p:cNvPr id="4" name="日期占位符 3">
             <a:extLst>
               <a:ext uri="{FF2B5EF4-FFF2-40B4-BE49-F238E27FC236}">
-                <a16:creationId xmlns:a16="http://schemas.microsoft.com/office/drawing/2014/main" id="{AEA9FAAD-463E-50B8-400C-3BA8DBB7ABFF}"/>
+                <a16:creationId xmlns:a16="http://schemas.microsoft.com/office/drawing/2014/main" id="{D785E9E4-4DE8-DEF9-167A-51988A629F69}"/>
               </a:ext>
             </a:extLst>
           </p:cNvPr>
@@ -658,7 +658,7 @@
           <a:bodyPr/>
           <a:lstStyle/>
           <a:p>
-            <a:fld id="{395C24B1-57EF-4B7A-B082-24B53F0CEB49}" type="datetimeFigureOut">
+            <a:fld id="{74A56A6F-0478-4AC0-8773-73598CD87320}" type="datetimeFigureOut">
               <a:rPr lang="zh-CN" altLang="en-US" smtClean="0"/>
               <a:t>2024/3/10</a:t>
             </a:fld>
@@ -671,7 +671,7 @@
           <p:cNvPr id="5" name="页脚占位符 4">
             <a:extLst>
               <a:ext uri="{FF2B5EF4-FFF2-40B4-BE49-F238E27FC236}">
-                <a16:creationId xmlns:a16="http://schemas.microsoft.com/office/drawing/2014/main" id="{D6B9B98F-54BB-1568-B8E2-BEB42100F435}"/>
+                <a16:creationId xmlns:a16="http://schemas.microsoft.com/office/drawing/2014/main" id="{539E53C0-C438-5BDE-FDA5-F1A4742F6533}"/>
               </a:ext>
             </a:extLst>
           </p:cNvPr>
@@ -696,7 +696,7 @@
           <p:cNvPr id="6" name="灯片编号占位符 5">
             <a:extLst>
               <a:ext uri="{FF2B5EF4-FFF2-40B4-BE49-F238E27FC236}">
-                <a16:creationId xmlns:a16="http://schemas.microsoft.com/office/drawing/2014/main" id="{B0C9EE1B-8B24-63F4-876D-7E46EF5D3134}"/>
+                <a16:creationId xmlns:a16="http://schemas.microsoft.com/office/drawing/2014/main" id="{B4493D2F-E876-0EDF-90A2-04D6670AF249}"/>
               </a:ext>
             </a:extLst>
           </p:cNvPr>
@@ -712,7 +712,7 @@
           <a:bodyPr/>
           <a:lstStyle/>
           <a:p>
-            <a:fld id="{983E941B-8094-48AB-876D-1181CAE21C3D}" type="slidenum">
+            <a:fld id="{65D793A7-D878-4909-81BD-52420638A19D}" type="slidenum">
               <a:rPr lang="zh-CN" altLang="en-US" smtClean="0"/>
               <a:t>‹#›</a:t>
             </a:fld>
@@ -723,7 +723,7 @@
     </p:spTree>
     <p:extLst>
       <p:ext uri="{BB962C8B-B14F-4D97-AF65-F5344CB8AC3E}">
-        <p14:creationId xmlns:p14="http://schemas.microsoft.com/office/powerpoint/2010/main" val="4253460136"/>
+        <p14:creationId xmlns:p14="http://schemas.microsoft.com/office/powerpoint/2010/main" val="192516223"/>
       </p:ext>
     </p:extLst>
   </p:cSld>
@@ -755,7 +755,7 @@
           <p:cNvPr id="2" name="标题 1">
             <a:extLst>
               <a:ext uri="{FF2B5EF4-FFF2-40B4-BE49-F238E27FC236}">
-                <a16:creationId xmlns:a16="http://schemas.microsoft.com/office/drawing/2014/main" id="{6E6D4FB6-8365-08E6-CB04-ED9E10502F18}"/>
+                <a16:creationId xmlns:a16="http://schemas.microsoft.com/office/drawing/2014/main" id="{39FC7CFF-4E39-DFB1-A93D-00700A2F28F2}"/>
               </a:ext>
             </a:extLst>
           </p:cNvPr>
@@ -783,7 +783,7 @@
           <p:cNvPr id="3" name="内容占位符 2">
             <a:extLst>
               <a:ext uri="{FF2B5EF4-FFF2-40B4-BE49-F238E27FC236}">
-                <a16:creationId xmlns:a16="http://schemas.microsoft.com/office/drawing/2014/main" id="{1A10F4EF-13C9-D062-3454-FBB512F61FFC}"/>
+                <a16:creationId xmlns:a16="http://schemas.microsoft.com/office/drawing/2014/main" id="{DE901D0B-7408-0168-DABB-5A3FB026CF8C}"/>
               </a:ext>
             </a:extLst>
           </p:cNvPr>
@@ -840,7 +840,7 @@
           <p:cNvPr id="4" name="日期占位符 3">
             <a:extLst>
               <a:ext uri="{FF2B5EF4-FFF2-40B4-BE49-F238E27FC236}">
-                <a16:creationId xmlns:a16="http://schemas.microsoft.com/office/drawing/2014/main" id="{BED52B49-70B6-9EE2-4D37-3574302C9625}"/>
+                <a16:creationId xmlns:a16="http://schemas.microsoft.com/office/drawing/2014/main" id="{EE6961A1-FF52-FFE0-FE55-6AE875D3F3F2}"/>
               </a:ext>
             </a:extLst>
           </p:cNvPr>
@@ -856,7 +856,7 @@
           <a:bodyPr/>
           <a:lstStyle/>
           <a:p>
-            <a:fld id="{395C24B1-57EF-4B7A-B082-24B53F0CEB49}" type="datetimeFigureOut">
+            <a:fld id="{74A56A6F-0478-4AC0-8773-73598CD87320}" type="datetimeFigureOut">
               <a:rPr lang="zh-CN" altLang="en-US" smtClean="0"/>
               <a:t>2024/3/10</a:t>
             </a:fld>
@@ -869,7 +869,7 @@
           <p:cNvPr id="5" name="页脚占位符 4">
             <a:extLst>
               <a:ext uri="{FF2B5EF4-FFF2-40B4-BE49-F238E27FC236}">
-                <a16:creationId xmlns:a16="http://schemas.microsoft.com/office/drawing/2014/main" id="{A98D75B0-D749-1825-244D-EEFC648420DF}"/>
+                <a16:creationId xmlns:a16="http://schemas.microsoft.com/office/drawing/2014/main" id="{144D5306-D048-225C-ADC0-267F47E64CD7}"/>
               </a:ext>
             </a:extLst>
           </p:cNvPr>
@@ -894,7 +894,7 @@
           <p:cNvPr id="6" name="灯片编号占位符 5">
             <a:extLst>
               <a:ext uri="{FF2B5EF4-FFF2-40B4-BE49-F238E27FC236}">
-                <a16:creationId xmlns:a16="http://schemas.microsoft.com/office/drawing/2014/main" id="{7656E250-8EA1-C2BF-E313-2055FEF0AF57}"/>
+                <a16:creationId xmlns:a16="http://schemas.microsoft.com/office/drawing/2014/main" id="{22DC32DC-DD3F-1899-D9FD-B3B428A7FC16}"/>
               </a:ext>
             </a:extLst>
           </p:cNvPr>
@@ -910,7 +910,7 @@
           <a:bodyPr/>
           <a:lstStyle/>
           <a:p>
-            <a:fld id="{983E941B-8094-48AB-876D-1181CAE21C3D}" type="slidenum">
+            <a:fld id="{65D793A7-D878-4909-81BD-52420638A19D}" type="slidenum">
               <a:rPr lang="zh-CN" altLang="en-US" smtClean="0"/>
               <a:t>‹#›</a:t>
             </a:fld>
@@ -921,7 +921,7 @@
     </p:spTree>
     <p:extLst>
       <p:ext uri="{BB962C8B-B14F-4D97-AF65-F5344CB8AC3E}">
-        <p14:creationId xmlns:p14="http://schemas.microsoft.com/office/powerpoint/2010/main" val="395331675"/>
+        <p14:creationId xmlns:p14="http://schemas.microsoft.com/office/powerpoint/2010/main" val="1939007511"/>
       </p:ext>
     </p:extLst>
   </p:cSld>
@@ -953,7 +953,7 @@
           <p:cNvPr id="2" name="标题 1">
             <a:extLst>
               <a:ext uri="{FF2B5EF4-FFF2-40B4-BE49-F238E27FC236}">
-                <a16:creationId xmlns:a16="http://schemas.microsoft.com/office/drawing/2014/main" id="{B0BA4729-40AC-4F11-12F3-EB9466F4441A}"/>
+                <a16:creationId xmlns:a16="http://schemas.microsoft.com/office/drawing/2014/main" id="{9DB9B9D4-1D88-D5E8-E31F-DE7EE28D9285}"/>
               </a:ext>
             </a:extLst>
           </p:cNvPr>
@@ -990,7 +990,7 @@
           <p:cNvPr id="3" name="文本占位符 2">
             <a:extLst>
               <a:ext uri="{FF2B5EF4-FFF2-40B4-BE49-F238E27FC236}">
-                <a16:creationId xmlns:a16="http://schemas.microsoft.com/office/drawing/2014/main" id="{E4C81C70-CB05-99B0-EEF0-BDBC5EE9FF0F}"/>
+                <a16:creationId xmlns:a16="http://schemas.microsoft.com/office/drawing/2014/main" id="{CC605003-290E-5F53-1774-1BA7387926B0}"/>
               </a:ext>
             </a:extLst>
           </p:cNvPr>
@@ -1115,7 +1115,7 @@
           <p:cNvPr id="4" name="日期占位符 3">
             <a:extLst>
               <a:ext uri="{FF2B5EF4-FFF2-40B4-BE49-F238E27FC236}">
-                <a16:creationId xmlns:a16="http://schemas.microsoft.com/office/drawing/2014/main" id="{D314C444-4A03-7766-857A-484934077EC9}"/>
+                <a16:creationId xmlns:a16="http://schemas.microsoft.com/office/drawing/2014/main" id="{72240277-2D21-3577-BDF5-859A40665B62}"/>
               </a:ext>
             </a:extLst>
           </p:cNvPr>
@@ -1131,7 +1131,7 @@
           <a:bodyPr/>
           <a:lstStyle/>
           <a:p>
-            <a:fld id="{395C24B1-57EF-4B7A-B082-24B53F0CEB49}" type="datetimeFigureOut">
+            <a:fld id="{74A56A6F-0478-4AC0-8773-73598CD87320}" type="datetimeFigureOut">
               <a:rPr lang="zh-CN" altLang="en-US" smtClean="0"/>
               <a:t>2024/3/10</a:t>
             </a:fld>
@@ -1144,7 +1144,7 @@
           <p:cNvPr id="5" name="页脚占位符 4">
             <a:extLst>
               <a:ext uri="{FF2B5EF4-FFF2-40B4-BE49-F238E27FC236}">
-                <a16:creationId xmlns:a16="http://schemas.microsoft.com/office/drawing/2014/main" id="{C783EADA-C3C8-2916-AD6C-3D16D427C6CD}"/>
+                <a16:creationId xmlns:a16="http://schemas.microsoft.com/office/drawing/2014/main" id="{FE7DC6E7-8F69-0E29-8C00-6CBC3FE546AE}"/>
               </a:ext>
             </a:extLst>
           </p:cNvPr>
@@ -1169,7 +1169,7 @@
           <p:cNvPr id="6" name="灯片编号占位符 5">
             <a:extLst>
               <a:ext uri="{FF2B5EF4-FFF2-40B4-BE49-F238E27FC236}">
-                <a16:creationId xmlns:a16="http://schemas.microsoft.com/office/drawing/2014/main" id="{68A4838F-B3E4-29E1-6402-2929BB6127B3}"/>
+                <a16:creationId xmlns:a16="http://schemas.microsoft.com/office/drawing/2014/main" id="{B68B2DC9-60D8-ABEF-98CD-DCE0859653A8}"/>
               </a:ext>
             </a:extLst>
           </p:cNvPr>
@@ -1185,7 +1185,7 @@
           <a:bodyPr/>
           <a:lstStyle/>
           <a:p>
-            <a:fld id="{983E941B-8094-48AB-876D-1181CAE21C3D}" type="slidenum">
+            <a:fld id="{65D793A7-D878-4909-81BD-52420638A19D}" type="slidenum">
               <a:rPr lang="zh-CN" altLang="en-US" smtClean="0"/>
               <a:t>‹#›</a:t>
             </a:fld>
@@ -1196,7 +1196,7 @@
     </p:spTree>
     <p:extLst>
       <p:ext uri="{BB962C8B-B14F-4D97-AF65-F5344CB8AC3E}">
-        <p14:creationId xmlns:p14="http://schemas.microsoft.com/office/powerpoint/2010/main" val="1648060211"/>
+        <p14:creationId xmlns:p14="http://schemas.microsoft.com/office/powerpoint/2010/main" val="4269778919"/>
       </p:ext>
     </p:extLst>
   </p:cSld>
@@ -1228,7 +1228,7 @@
           <p:cNvPr id="2" name="标题 1">
             <a:extLst>
               <a:ext uri="{FF2B5EF4-FFF2-40B4-BE49-F238E27FC236}">
-                <a16:creationId xmlns:a16="http://schemas.microsoft.com/office/drawing/2014/main" id="{E31F794C-81C0-AD3C-719A-C2483E94736B}"/>
+                <a16:creationId xmlns:a16="http://schemas.microsoft.com/office/drawing/2014/main" id="{F89EAA48-B4B8-3D2C-7607-E1650E49208E}"/>
               </a:ext>
             </a:extLst>
           </p:cNvPr>
@@ -1256,7 +1256,7 @@
           <p:cNvPr id="3" name="内容占位符 2">
             <a:extLst>
               <a:ext uri="{FF2B5EF4-FFF2-40B4-BE49-F238E27FC236}">
-                <a16:creationId xmlns:a16="http://schemas.microsoft.com/office/drawing/2014/main" id="{890A2E3C-1A7D-234C-A105-D17AB4579FA2}"/>
+                <a16:creationId xmlns:a16="http://schemas.microsoft.com/office/drawing/2014/main" id="{1759E04C-8295-BA26-45BB-0A5C8D2F8EAC}"/>
               </a:ext>
             </a:extLst>
           </p:cNvPr>
@@ -1318,7 +1318,7 @@
           <p:cNvPr id="4" name="内容占位符 3">
             <a:extLst>
               <a:ext uri="{FF2B5EF4-FFF2-40B4-BE49-F238E27FC236}">
-                <a16:creationId xmlns:a16="http://schemas.microsoft.com/office/drawing/2014/main" id="{0ADC781C-AFF1-7836-FF92-E7F673A501DB}"/>
+                <a16:creationId xmlns:a16="http://schemas.microsoft.com/office/drawing/2014/main" id="{380D0C71-B65C-35AB-1E32-78302997ED61}"/>
               </a:ext>
             </a:extLst>
           </p:cNvPr>
@@ -1380,7 +1380,7 @@
           <p:cNvPr id="5" name="日期占位符 4">
             <a:extLst>
               <a:ext uri="{FF2B5EF4-FFF2-40B4-BE49-F238E27FC236}">
-                <a16:creationId xmlns:a16="http://schemas.microsoft.com/office/drawing/2014/main" id="{5723D8F0-A4C9-C9CE-0FDB-8B33EB224A90}"/>
+                <a16:creationId xmlns:a16="http://schemas.microsoft.com/office/drawing/2014/main" id="{B8BF741D-4FB1-AAE7-83D0-5BE00792865D}"/>
               </a:ext>
             </a:extLst>
           </p:cNvPr>
@@ -1396,7 +1396,7 @@
           <a:bodyPr/>
           <a:lstStyle/>
           <a:p>
-            <a:fld id="{395C24B1-57EF-4B7A-B082-24B53F0CEB49}" type="datetimeFigureOut">
+            <a:fld id="{74A56A6F-0478-4AC0-8773-73598CD87320}" type="datetimeFigureOut">
               <a:rPr lang="zh-CN" altLang="en-US" smtClean="0"/>
               <a:t>2024/3/10</a:t>
             </a:fld>
@@ -1409,7 +1409,7 @@
           <p:cNvPr id="6" name="页脚占位符 5">
             <a:extLst>
               <a:ext uri="{FF2B5EF4-FFF2-40B4-BE49-F238E27FC236}">
-                <a16:creationId xmlns:a16="http://schemas.microsoft.com/office/drawing/2014/main" id="{2DCB8889-96B0-7338-E137-AF7B806ECD21}"/>
+                <a16:creationId xmlns:a16="http://schemas.microsoft.com/office/drawing/2014/main" id="{EEE261FE-20CE-1209-96F4-A780E42F2B81}"/>
               </a:ext>
             </a:extLst>
           </p:cNvPr>
@@ -1434,7 +1434,7 @@
           <p:cNvPr id="7" name="灯片编号占位符 6">
             <a:extLst>
               <a:ext uri="{FF2B5EF4-FFF2-40B4-BE49-F238E27FC236}">
-                <a16:creationId xmlns:a16="http://schemas.microsoft.com/office/drawing/2014/main" id="{DC1FBC53-0874-FBB8-3E09-EF365B6004EA}"/>
+                <a16:creationId xmlns:a16="http://schemas.microsoft.com/office/drawing/2014/main" id="{2737789E-79C2-830F-4606-08D3A13DD4AC}"/>
               </a:ext>
             </a:extLst>
           </p:cNvPr>
@@ -1450,7 +1450,7 @@
           <a:bodyPr/>
           <a:lstStyle/>
           <a:p>
-            <a:fld id="{983E941B-8094-48AB-876D-1181CAE21C3D}" type="slidenum">
+            <a:fld id="{65D793A7-D878-4909-81BD-52420638A19D}" type="slidenum">
               <a:rPr lang="zh-CN" altLang="en-US" smtClean="0"/>
               <a:t>‹#›</a:t>
             </a:fld>
@@ -1461,7 +1461,7 @@
     </p:spTree>
     <p:extLst>
       <p:ext uri="{BB962C8B-B14F-4D97-AF65-F5344CB8AC3E}">
-        <p14:creationId xmlns:p14="http://schemas.microsoft.com/office/powerpoint/2010/main" val="3629858590"/>
+        <p14:creationId xmlns:p14="http://schemas.microsoft.com/office/powerpoint/2010/main" val="3662554861"/>
       </p:ext>
     </p:extLst>
   </p:cSld>
@@ -1493,7 +1493,7 @@
           <p:cNvPr id="2" name="标题 1">
             <a:extLst>
               <a:ext uri="{FF2B5EF4-FFF2-40B4-BE49-F238E27FC236}">
-                <a16:creationId xmlns:a16="http://schemas.microsoft.com/office/drawing/2014/main" id="{079DD4E0-6BFD-22ED-79F6-A739074D8C0B}"/>
+                <a16:creationId xmlns:a16="http://schemas.microsoft.com/office/drawing/2014/main" id="{3C85B3C2-1E57-C276-E014-32741F407B17}"/>
               </a:ext>
             </a:extLst>
           </p:cNvPr>
@@ -1526,7 +1526,7 @@
           <p:cNvPr id="3" name="文本占位符 2">
             <a:extLst>
               <a:ext uri="{FF2B5EF4-FFF2-40B4-BE49-F238E27FC236}">
-                <a16:creationId xmlns:a16="http://schemas.microsoft.com/office/drawing/2014/main" id="{325B5978-C49B-8A1C-55F1-39B4DCE4D130}"/>
+                <a16:creationId xmlns:a16="http://schemas.microsoft.com/office/drawing/2014/main" id="{F99081B5-C077-3F62-1708-D07018025575}"/>
               </a:ext>
             </a:extLst>
           </p:cNvPr>
@@ -1597,7 +1597,7 @@
           <p:cNvPr id="4" name="内容占位符 3">
             <a:extLst>
               <a:ext uri="{FF2B5EF4-FFF2-40B4-BE49-F238E27FC236}">
-                <a16:creationId xmlns:a16="http://schemas.microsoft.com/office/drawing/2014/main" id="{14EC99D1-B672-EB4B-6F1C-9B819522BC28}"/>
+                <a16:creationId xmlns:a16="http://schemas.microsoft.com/office/drawing/2014/main" id="{B34CE14F-BFDD-D69D-FD86-C96075E1FEB7}"/>
               </a:ext>
             </a:extLst>
           </p:cNvPr>
@@ -1659,7 +1659,7 @@
           <p:cNvPr id="5" name="文本占位符 4">
             <a:extLst>
               <a:ext uri="{FF2B5EF4-FFF2-40B4-BE49-F238E27FC236}">
-                <a16:creationId xmlns:a16="http://schemas.microsoft.com/office/drawing/2014/main" id="{F95D0B72-9B5B-A88C-F4FB-DE0AF70B305B}"/>
+                <a16:creationId xmlns:a16="http://schemas.microsoft.com/office/drawing/2014/main" id="{8B8B9C01-34E1-9C62-9F49-4668A9D2117F}"/>
               </a:ext>
             </a:extLst>
           </p:cNvPr>
@@ -1730,7 +1730,7 @@
           <p:cNvPr id="6" name="内容占位符 5">
             <a:extLst>
               <a:ext uri="{FF2B5EF4-FFF2-40B4-BE49-F238E27FC236}">
-                <a16:creationId xmlns:a16="http://schemas.microsoft.com/office/drawing/2014/main" id="{5F1E1FD3-D23E-B1B7-CBC5-C6AA5F4BBC02}"/>
+                <a16:creationId xmlns:a16="http://schemas.microsoft.com/office/drawing/2014/main" id="{31F8B74D-C840-D50D-5BC5-A43F84D0E3EA}"/>
               </a:ext>
             </a:extLst>
           </p:cNvPr>
@@ -1792,7 +1792,7 @@
           <p:cNvPr id="7" name="日期占位符 6">
             <a:extLst>
               <a:ext uri="{FF2B5EF4-FFF2-40B4-BE49-F238E27FC236}">
-                <a16:creationId xmlns:a16="http://schemas.microsoft.com/office/drawing/2014/main" id="{F479F81C-8426-65A9-DB96-6B2CE775EA0D}"/>
+                <a16:creationId xmlns:a16="http://schemas.microsoft.com/office/drawing/2014/main" id="{C28E7A5E-2F73-1F80-FAC0-CAC49B7441FD}"/>
               </a:ext>
             </a:extLst>
           </p:cNvPr>
@@ -1808,7 +1808,7 @@
           <a:bodyPr/>
           <a:lstStyle/>
           <a:p>
-            <a:fld id="{395C24B1-57EF-4B7A-B082-24B53F0CEB49}" type="datetimeFigureOut">
+            <a:fld id="{74A56A6F-0478-4AC0-8773-73598CD87320}" type="datetimeFigureOut">
               <a:rPr lang="zh-CN" altLang="en-US" smtClean="0"/>
               <a:t>2024/3/10</a:t>
             </a:fld>
@@ -1821,7 +1821,7 @@
           <p:cNvPr id="8" name="页脚占位符 7">
             <a:extLst>
               <a:ext uri="{FF2B5EF4-FFF2-40B4-BE49-F238E27FC236}">
-                <a16:creationId xmlns:a16="http://schemas.microsoft.com/office/drawing/2014/main" id="{0D9419F4-3872-A0D7-79AB-38AD57F35866}"/>
+                <a16:creationId xmlns:a16="http://schemas.microsoft.com/office/drawing/2014/main" id="{721504A8-9F49-B12E-9A96-46CB210570D2}"/>
               </a:ext>
             </a:extLst>
           </p:cNvPr>
@@ -1846,7 +1846,7 @@
           <p:cNvPr id="9" name="灯片编号占位符 8">
             <a:extLst>
               <a:ext uri="{FF2B5EF4-FFF2-40B4-BE49-F238E27FC236}">
-                <a16:creationId xmlns:a16="http://schemas.microsoft.com/office/drawing/2014/main" id="{1B46AE64-6523-6747-486A-AD2CC8FE94A3}"/>
+                <a16:creationId xmlns:a16="http://schemas.microsoft.com/office/drawing/2014/main" id="{E233BB90-06F5-AC4A-8C5D-AF7669B34192}"/>
               </a:ext>
             </a:extLst>
           </p:cNvPr>
@@ -1862,7 +1862,7 @@
           <a:bodyPr/>
           <a:lstStyle/>
           <a:p>
-            <a:fld id="{983E941B-8094-48AB-876D-1181CAE21C3D}" type="slidenum">
+            <a:fld id="{65D793A7-D878-4909-81BD-52420638A19D}" type="slidenum">
               <a:rPr lang="zh-CN" altLang="en-US" smtClean="0"/>
               <a:t>‹#›</a:t>
             </a:fld>
@@ -1873,7 +1873,7 @@
     </p:spTree>
     <p:extLst>
       <p:ext uri="{BB962C8B-B14F-4D97-AF65-F5344CB8AC3E}">
-        <p14:creationId xmlns:p14="http://schemas.microsoft.com/office/powerpoint/2010/main" val="1178656619"/>
+        <p14:creationId xmlns:p14="http://schemas.microsoft.com/office/powerpoint/2010/main" val="3959331259"/>
       </p:ext>
     </p:extLst>
   </p:cSld>
@@ -1905,7 +1905,7 @@
           <p:cNvPr id="2" name="标题 1">
             <a:extLst>
               <a:ext uri="{FF2B5EF4-FFF2-40B4-BE49-F238E27FC236}">
-                <a16:creationId xmlns:a16="http://schemas.microsoft.com/office/drawing/2014/main" id="{AE99FABF-09BB-8065-820A-242599AF08D0}"/>
+                <a16:creationId xmlns:a16="http://schemas.microsoft.com/office/drawing/2014/main" id="{2FC3D7A7-0390-A21E-53C4-CBD6C47CEB84}"/>
               </a:ext>
             </a:extLst>
           </p:cNvPr>
@@ -1933,7 +1933,7 @@
           <p:cNvPr id="3" name="日期占位符 2">
             <a:extLst>
               <a:ext uri="{FF2B5EF4-FFF2-40B4-BE49-F238E27FC236}">
-                <a16:creationId xmlns:a16="http://schemas.microsoft.com/office/drawing/2014/main" id="{D489AE29-EAC1-D7DD-6E85-FA2B3F2FCC28}"/>
+                <a16:creationId xmlns:a16="http://schemas.microsoft.com/office/drawing/2014/main" id="{8EA7290D-B188-ECEA-D3BD-A8573168B2AD}"/>
               </a:ext>
             </a:extLst>
           </p:cNvPr>
@@ -1949,7 +1949,7 @@
           <a:bodyPr/>
           <a:lstStyle/>
           <a:p>
-            <a:fld id="{395C24B1-57EF-4B7A-B082-24B53F0CEB49}" type="datetimeFigureOut">
+            <a:fld id="{74A56A6F-0478-4AC0-8773-73598CD87320}" type="datetimeFigureOut">
               <a:rPr lang="zh-CN" altLang="en-US" smtClean="0"/>
               <a:t>2024/3/10</a:t>
             </a:fld>
@@ -1962,7 +1962,7 @@
           <p:cNvPr id="4" name="页脚占位符 3">
             <a:extLst>
               <a:ext uri="{FF2B5EF4-FFF2-40B4-BE49-F238E27FC236}">
-                <a16:creationId xmlns:a16="http://schemas.microsoft.com/office/drawing/2014/main" id="{0DE627FA-F2FF-2D23-74D1-752E47E56B59}"/>
+                <a16:creationId xmlns:a16="http://schemas.microsoft.com/office/drawing/2014/main" id="{C76DF582-780E-35B5-39E9-6C1CC5BA8852}"/>
               </a:ext>
             </a:extLst>
           </p:cNvPr>
@@ -1987,7 +1987,7 @@
           <p:cNvPr id="5" name="灯片编号占位符 4">
             <a:extLst>
               <a:ext uri="{FF2B5EF4-FFF2-40B4-BE49-F238E27FC236}">
-                <a16:creationId xmlns:a16="http://schemas.microsoft.com/office/drawing/2014/main" id="{08C9A69E-2B9D-D831-2B0C-AB7A2942118C}"/>
+                <a16:creationId xmlns:a16="http://schemas.microsoft.com/office/drawing/2014/main" id="{E4015363-5393-FC23-AD5F-A9528BBE70C3}"/>
               </a:ext>
             </a:extLst>
           </p:cNvPr>
@@ -2003,7 +2003,7 @@
           <a:bodyPr/>
           <a:lstStyle/>
           <a:p>
-            <a:fld id="{983E941B-8094-48AB-876D-1181CAE21C3D}" type="slidenum">
+            <a:fld id="{65D793A7-D878-4909-81BD-52420638A19D}" type="slidenum">
               <a:rPr lang="zh-CN" altLang="en-US" smtClean="0"/>
               <a:t>‹#›</a:t>
             </a:fld>
@@ -2014,7 +2014,7 @@
     </p:spTree>
     <p:extLst>
       <p:ext uri="{BB962C8B-B14F-4D97-AF65-F5344CB8AC3E}">
-        <p14:creationId xmlns:p14="http://schemas.microsoft.com/office/powerpoint/2010/main" val="192913755"/>
+        <p14:creationId xmlns:p14="http://schemas.microsoft.com/office/powerpoint/2010/main" val="2318239208"/>
       </p:ext>
     </p:extLst>
   </p:cSld>
@@ -2046,7 +2046,7 @@
           <p:cNvPr id="2" name="日期占位符 1">
             <a:extLst>
               <a:ext uri="{FF2B5EF4-FFF2-40B4-BE49-F238E27FC236}">
-                <a16:creationId xmlns:a16="http://schemas.microsoft.com/office/drawing/2014/main" id="{09651C6F-A657-2C03-BF9F-D6E106EBDABE}"/>
+                <a16:creationId xmlns:a16="http://schemas.microsoft.com/office/drawing/2014/main" id="{5A7C316B-4885-E901-EA75-5C1112249C5B}"/>
               </a:ext>
             </a:extLst>
           </p:cNvPr>
@@ -2062,7 +2062,7 @@
           <a:bodyPr/>
           <a:lstStyle/>
           <a:p>
-            <a:fld id="{395C24B1-57EF-4B7A-B082-24B53F0CEB49}" type="datetimeFigureOut">
+            <a:fld id="{74A56A6F-0478-4AC0-8773-73598CD87320}" type="datetimeFigureOut">
               <a:rPr lang="zh-CN" altLang="en-US" smtClean="0"/>
               <a:t>2024/3/10</a:t>
             </a:fld>
@@ -2075,7 +2075,7 @@
           <p:cNvPr id="3" name="页脚占位符 2">
             <a:extLst>
               <a:ext uri="{FF2B5EF4-FFF2-40B4-BE49-F238E27FC236}">
-                <a16:creationId xmlns:a16="http://schemas.microsoft.com/office/drawing/2014/main" id="{D7B3795A-C1CB-CA6C-2BC0-2F0E58FD9A92}"/>
+                <a16:creationId xmlns:a16="http://schemas.microsoft.com/office/drawing/2014/main" id="{E091EAFB-62BB-EDD5-BB5C-01CC3FD9BA1F}"/>
               </a:ext>
             </a:extLst>
           </p:cNvPr>
@@ -2100,7 +2100,7 @@
           <p:cNvPr id="4" name="灯片编号占位符 3">
             <a:extLst>
               <a:ext uri="{FF2B5EF4-FFF2-40B4-BE49-F238E27FC236}">
-                <a16:creationId xmlns:a16="http://schemas.microsoft.com/office/drawing/2014/main" id="{42687AC2-2D6C-F641-FA01-2E9737961052}"/>
+                <a16:creationId xmlns:a16="http://schemas.microsoft.com/office/drawing/2014/main" id="{71F9D26E-F5FF-B3F4-3973-BD43D7ABC4C5}"/>
               </a:ext>
             </a:extLst>
           </p:cNvPr>
@@ -2116,7 +2116,7 @@
           <a:bodyPr/>
           <a:lstStyle/>
           <a:p>
-            <a:fld id="{983E941B-8094-48AB-876D-1181CAE21C3D}" type="slidenum">
+            <a:fld id="{65D793A7-D878-4909-81BD-52420638A19D}" type="slidenum">
               <a:rPr lang="zh-CN" altLang="en-US" smtClean="0"/>
               <a:t>‹#›</a:t>
             </a:fld>
@@ -2127,7 +2127,7 @@
     </p:spTree>
     <p:extLst>
       <p:ext uri="{BB962C8B-B14F-4D97-AF65-F5344CB8AC3E}">
-        <p14:creationId xmlns:p14="http://schemas.microsoft.com/office/powerpoint/2010/main" val="1571909520"/>
+        <p14:creationId xmlns:p14="http://schemas.microsoft.com/office/powerpoint/2010/main" val="4256402915"/>
       </p:ext>
     </p:extLst>
   </p:cSld>
@@ -2159,7 +2159,7 @@
           <p:cNvPr id="2" name="标题 1">
             <a:extLst>
               <a:ext uri="{FF2B5EF4-FFF2-40B4-BE49-F238E27FC236}">
-                <a16:creationId xmlns:a16="http://schemas.microsoft.com/office/drawing/2014/main" id="{BDDAEB0D-A8D7-7248-B85A-12EC940272C3}"/>
+                <a16:creationId xmlns:a16="http://schemas.microsoft.com/office/drawing/2014/main" id="{72240048-1E90-0752-C241-0B85B7BD17F4}"/>
               </a:ext>
             </a:extLst>
           </p:cNvPr>
@@ -2196,7 +2196,7 @@
           <p:cNvPr id="3" name="内容占位符 2">
             <a:extLst>
               <a:ext uri="{FF2B5EF4-FFF2-40B4-BE49-F238E27FC236}">
-                <a16:creationId xmlns:a16="http://schemas.microsoft.com/office/drawing/2014/main" id="{51E84A37-E371-5F39-97F8-49EE902A0FC3}"/>
+                <a16:creationId xmlns:a16="http://schemas.microsoft.com/office/drawing/2014/main" id="{2FC0ACBF-E8B3-F1B4-8D6D-65E807246FCC}"/>
               </a:ext>
             </a:extLst>
           </p:cNvPr>
@@ -2286,7 +2286,7 @@
           <p:cNvPr id="4" name="文本占位符 3">
             <a:extLst>
               <a:ext uri="{FF2B5EF4-FFF2-40B4-BE49-F238E27FC236}">
-                <a16:creationId xmlns:a16="http://schemas.microsoft.com/office/drawing/2014/main" id="{DA71125E-A2F6-34CD-7904-3E8C890554BB}"/>
+                <a16:creationId xmlns:a16="http://schemas.microsoft.com/office/drawing/2014/main" id="{112C344F-CFAA-720F-B0C5-9159B1480F5A}"/>
               </a:ext>
             </a:extLst>
           </p:cNvPr>
@@ -2357,7 +2357,7 @@
           <p:cNvPr id="5" name="日期占位符 4">
             <a:extLst>
               <a:ext uri="{FF2B5EF4-FFF2-40B4-BE49-F238E27FC236}">
-                <a16:creationId xmlns:a16="http://schemas.microsoft.com/office/drawing/2014/main" id="{C967E362-AF04-5B95-D601-746F4CB13415}"/>
+                <a16:creationId xmlns:a16="http://schemas.microsoft.com/office/drawing/2014/main" id="{3A5A398F-7473-6140-6C01-B4D738E3455B}"/>
               </a:ext>
             </a:extLst>
           </p:cNvPr>
@@ -2373,7 +2373,7 @@
           <a:bodyPr/>
           <a:lstStyle/>
           <a:p>
-            <a:fld id="{395C24B1-57EF-4B7A-B082-24B53F0CEB49}" type="datetimeFigureOut">
+            <a:fld id="{74A56A6F-0478-4AC0-8773-73598CD87320}" type="datetimeFigureOut">
               <a:rPr lang="zh-CN" altLang="en-US" smtClean="0"/>
               <a:t>2024/3/10</a:t>
             </a:fld>
@@ -2386,7 +2386,7 @@
           <p:cNvPr id="6" name="页脚占位符 5">
             <a:extLst>
               <a:ext uri="{FF2B5EF4-FFF2-40B4-BE49-F238E27FC236}">
-                <a16:creationId xmlns:a16="http://schemas.microsoft.com/office/drawing/2014/main" id="{21EEF283-7CA0-1D18-56B7-7770486FF412}"/>
+                <a16:creationId xmlns:a16="http://schemas.microsoft.com/office/drawing/2014/main" id="{44824494-07F6-83EA-3A49-DBDB81557982}"/>
               </a:ext>
             </a:extLst>
           </p:cNvPr>
@@ -2411,7 +2411,7 @@
           <p:cNvPr id="7" name="灯片编号占位符 6">
             <a:extLst>
               <a:ext uri="{FF2B5EF4-FFF2-40B4-BE49-F238E27FC236}">
-                <a16:creationId xmlns:a16="http://schemas.microsoft.com/office/drawing/2014/main" id="{44FE6518-B663-23AA-74F1-4B106C36A747}"/>
+                <a16:creationId xmlns:a16="http://schemas.microsoft.com/office/drawing/2014/main" id="{06E1FFE2-5D60-FEE1-833E-505DB58B5CE5}"/>
               </a:ext>
             </a:extLst>
           </p:cNvPr>
@@ -2427,7 +2427,7 @@
           <a:bodyPr/>
           <a:lstStyle/>
           <a:p>
-            <a:fld id="{983E941B-8094-48AB-876D-1181CAE21C3D}" type="slidenum">
+            <a:fld id="{65D793A7-D878-4909-81BD-52420638A19D}" type="slidenum">
               <a:rPr lang="zh-CN" altLang="en-US" smtClean="0"/>
               <a:t>‹#›</a:t>
             </a:fld>
@@ -2438,7 +2438,7 @@
     </p:spTree>
     <p:extLst>
       <p:ext uri="{BB962C8B-B14F-4D97-AF65-F5344CB8AC3E}">
-        <p14:creationId xmlns:p14="http://schemas.microsoft.com/office/powerpoint/2010/main" val="1601679451"/>
+        <p14:creationId xmlns:p14="http://schemas.microsoft.com/office/powerpoint/2010/main" val="410916791"/>
       </p:ext>
     </p:extLst>
   </p:cSld>
@@ -2470,7 +2470,7 @@
           <p:cNvPr id="2" name="标题 1">
             <a:extLst>
               <a:ext uri="{FF2B5EF4-FFF2-40B4-BE49-F238E27FC236}">
-                <a16:creationId xmlns:a16="http://schemas.microsoft.com/office/drawing/2014/main" id="{FF024E6E-40F4-7CC2-0D01-08A79D39FAD7}"/>
+                <a16:creationId xmlns:a16="http://schemas.microsoft.com/office/drawing/2014/main" id="{45B5DA55-3759-08D1-5611-E3FC93130EAC}"/>
               </a:ext>
             </a:extLst>
           </p:cNvPr>
@@ -2507,7 +2507,7 @@
           <p:cNvPr id="3" name="图片占位符 2">
             <a:extLst>
               <a:ext uri="{FF2B5EF4-FFF2-40B4-BE49-F238E27FC236}">
-                <a16:creationId xmlns:a16="http://schemas.microsoft.com/office/drawing/2014/main" id="{1CCC8127-C695-4E8E-E242-C12429D013ED}"/>
+                <a16:creationId xmlns:a16="http://schemas.microsoft.com/office/drawing/2014/main" id="{05D1BA72-DDF6-43D4-A823-34617D13C87B}"/>
               </a:ext>
             </a:extLst>
           </p:cNvPr>
@@ -2574,7 +2574,7 @@
           <p:cNvPr id="4" name="文本占位符 3">
             <a:extLst>
               <a:ext uri="{FF2B5EF4-FFF2-40B4-BE49-F238E27FC236}">
-                <a16:creationId xmlns:a16="http://schemas.microsoft.com/office/drawing/2014/main" id="{E31C227A-134C-B07D-BE2D-7884A1E547E4}"/>
+                <a16:creationId xmlns:a16="http://schemas.microsoft.com/office/drawing/2014/main" id="{609EF9A1-8B49-E1F3-0DAC-35D7B10895B7}"/>
               </a:ext>
             </a:extLst>
           </p:cNvPr>
@@ -2645,7 +2645,7 @@
           <p:cNvPr id="5" name="日期占位符 4">
             <a:extLst>
               <a:ext uri="{FF2B5EF4-FFF2-40B4-BE49-F238E27FC236}">
-                <a16:creationId xmlns:a16="http://schemas.microsoft.com/office/drawing/2014/main" id="{62C254AB-44C0-DDC5-8026-B41F94322456}"/>
+                <a16:creationId xmlns:a16="http://schemas.microsoft.com/office/drawing/2014/main" id="{E88A94A4-5164-195C-3A60-7E02AEDB7F45}"/>
               </a:ext>
             </a:extLst>
           </p:cNvPr>
@@ -2661,7 +2661,7 @@
           <a:bodyPr/>
           <a:lstStyle/>
           <a:p>
-            <a:fld id="{395C24B1-57EF-4B7A-B082-24B53F0CEB49}" type="datetimeFigureOut">
+            <a:fld id="{74A56A6F-0478-4AC0-8773-73598CD87320}" type="datetimeFigureOut">
               <a:rPr lang="zh-CN" altLang="en-US" smtClean="0"/>
               <a:t>2024/3/10</a:t>
             </a:fld>
@@ -2674,7 +2674,7 @@
           <p:cNvPr id="6" name="页脚占位符 5">
             <a:extLst>
               <a:ext uri="{FF2B5EF4-FFF2-40B4-BE49-F238E27FC236}">
-                <a16:creationId xmlns:a16="http://schemas.microsoft.com/office/drawing/2014/main" id="{508A7219-5B6F-153F-E3B2-E5FF128F72F1}"/>
+                <a16:creationId xmlns:a16="http://schemas.microsoft.com/office/drawing/2014/main" id="{0A6C3112-1017-A0A3-8439-FF8B3A11C8BD}"/>
               </a:ext>
             </a:extLst>
           </p:cNvPr>
@@ -2699,7 +2699,7 @@
           <p:cNvPr id="7" name="灯片编号占位符 6">
             <a:extLst>
               <a:ext uri="{FF2B5EF4-FFF2-40B4-BE49-F238E27FC236}">
-                <a16:creationId xmlns:a16="http://schemas.microsoft.com/office/drawing/2014/main" id="{705CCF7C-C8CE-7E3D-605E-AB464C04BF69}"/>
+                <a16:creationId xmlns:a16="http://schemas.microsoft.com/office/drawing/2014/main" id="{07A69368-1BAD-8907-14FF-98DE894A26AD}"/>
               </a:ext>
             </a:extLst>
           </p:cNvPr>
@@ -2715,7 +2715,7 @@
           <a:bodyPr/>
           <a:lstStyle/>
           <a:p>
-            <a:fld id="{983E941B-8094-48AB-876D-1181CAE21C3D}" type="slidenum">
+            <a:fld id="{65D793A7-D878-4909-81BD-52420638A19D}" type="slidenum">
               <a:rPr lang="zh-CN" altLang="en-US" smtClean="0"/>
               <a:t>‹#›</a:t>
             </a:fld>
@@ -2726,7 +2726,7 @@
     </p:spTree>
     <p:extLst>
       <p:ext uri="{BB962C8B-B14F-4D97-AF65-F5344CB8AC3E}">
-        <p14:creationId xmlns:p14="http://schemas.microsoft.com/office/powerpoint/2010/main" val="836167320"/>
+        <p14:creationId xmlns:p14="http://schemas.microsoft.com/office/powerpoint/2010/main" val="664205498"/>
       </p:ext>
     </p:extLst>
   </p:cSld>
@@ -2763,7 +2763,7 @@
           <p:cNvPr id="2" name="标题占位符 1">
             <a:extLst>
               <a:ext uri="{FF2B5EF4-FFF2-40B4-BE49-F238E27FC236}">
-                <a16:creationId xmlns:a16="http://schemas.microsoft.com/office/drawing/2014/main" id="{D6F59957-EDB6-5B4D-1BFD-7D7DCCBF4807}"/>
+                <a16:creationId xmlns:a16="http://schemas.microsoft.com/office/drawing/2014/main" id="{BB4E2067-1C02-CEAF-1124-68B47CC4F1A8}"/>
               </a:ext>
             </a:extLst>
           </p:cNvPr>
@@ -2801,7 +2801,7 @@
           <p:cNvPr id="3" name="文本占位符 2">
             <a:extLst>
               <a:ext uri="{FF2B5EF4-FFF2-40B4-BE49-F238E27FC236}">
-                <a16:creationId xmlns:a16="http://schemas.microsoft.com/office/drawing/2014/main" id="{B7C7D3F2-2CD9-6D2A-E541-060EFE5A3161}"/>
+                <a16:creationId xmlns:a16="http://schemas.microsoft.com/office/drawing/2014/main" id="{BA75B5A3-AC2B-56EB-AEDE-F953E7947F3A}"/>
               </a:ext>
             </a:extLst>
           </p:cNvPr>
@@ -2868,7 +2868,7 @@
           <p:cNvPr id="4" name="日期占位符 3">
             <a:extLst>
               <a:ext uri="{FF2B5EF4-FFF2-40B4-BE49-F238E27FC236}">
-                <a16:creationId xmlns:a16="http://schemas.microsoft.com/office/drawing/2014/main" id="{07C5B1D1-8ED4-650D-CC34-E75D33A30C63}"/>
+                <a16:creationId xmlns:a16="http://schemas.microsoft.com/office/drawing/2014/main" id="{807BAD23-BB1C-6E3F-83FA-22ACFB9F995D}"/>
               </a:ext>
             </a:extLst>
           </p:cNvPr>
@@ -2902,7 +2902,7 @@
             </a:lvl1pPr>
           </a:lstStyle>
           <a:p>
-            <a:fld id="{395C24B1-57EF-4B7A-B082-24B53F0CEB49}" type="datetimeFigureOut">
+            <a:fld id="{74A56A6F-0478-4AC0-8773-73598CD87320}" type="datetimeFigureOut">
               <a:rPr lang="zh-CN" altLang="en-US" smtClean="0"/>
               <a:t>2024/3/10</a:t>
             </a:fld>
@@ -2915,7 +2915,7 @@
           <p:cNvPr id="5" name="页脚占位符 4">
             <a:extLst>
               <a:ext uri="{FF2B5EF4-FFF2-40B4-BE49-F238E27FC236}">
-                <a16:creationId xmlns:a16="http://schemas.microsoft.com/office/drawing/2014/main" id="{1A0F4C91-9E0D-BB58-E3CC-8D0074945B93}"/>
+                <a16:creationId xmlns:a16="http://schemas.microsoft.com/office/drawing/2014/main" id="{1458C341-1963-9F5E-CE11-D8FF046BED1E}"/>
               </a:ext>
             </a:extLst>
           </p:cNvPr>
@@ -2958,7 +2958,7 @@
           <p:cNvPr id="6" name="灯片编号占位符 5">
             <a:extLst>
               <a:ext uri="{FF2B5EF4-FFF2-40B4-BE49-F238E27FC236}">
-                <a16:creationId xmlns:a16="http://schemas.microsoft.com/office/drawing/2014/main" id="{4887B6BD-E338-688C-B43F-CFE26A791574}"/>
+                <a16:creationId xmlns:a16="http://schemas.microsoft.com/office/drawing/2014/main" id="{2B55EF3B-13B2-2FA4-00F0-6C47A579E3C2}"/>
               </a:ext>
             </a:extLst>
           </p:cNvPr>
@@ -2992,7 +2992,7 @@
             </a:lvl1pPr>
           </a:lstStyle>
           <a:p>
-            <a:fld id="{983E941B-8094-48AB-876D-1181CAE21C3D}" type="slidenum">
+            <a:fld id="{65D793A7-D878-4909-81BD-52420638A19D}" type="slidenum">
               <a:rPr lang="zh-CN" altLang="en-US" smtClean="0"/>
               <a:t>‹#›</a:t>
             </a:fld>
@@ -3003,7 +3003,7 @@
     </p:spTree>
     <p:extLst>
       <p:ext uri="{BB962C8B-B14F-4D97-AF65-F5344CB8AC3E}">
-        <p14:creationId xmlns:p14="http://schemas.microsoft.com/office/powerpoint/2010/main" val="2034787416"/>
+        <p14:creationId xmlns:p14="http://schemas.microsoft.com/office/powerpoint/2010/main" val="3763449100"/>
       </p:ext>
     </p:extLst>
   </p:cSld>
